--- a/Web Crawling & Word Cloud.pptx
+++ b/Web Crawling & Word Cloud.pptx
@@ -5,7 +5,7 @@
     <p:sldMasterId id="2147483648" r:id="rId1"/>
   </p:sldMasterIdLst>
   <p:notesMasterIdLst>
-    <p:notesMasterId r:id="rId33"/>
+    <p:notesMasterId r:id="rId41"/>
   </p:notesMasterIdLst>
   <p:sldIdLst>
     <p:sldId id="256" r:id="rId2"/>
@@ -39,6 +39,14 @@
     <p:sldId id="286" r:id="rId30"/>
     <p:sldId id="287" r:id="rId31"/>
     <p:sldId id="291" r:id="rId32"/>
+    <p:sldId id="292" r:id="rId33"/>
+    <p:sldId id="295" r:id="rId34"/>
+    <p:sldId id="296" r:id="rId35"/>
+    <p:sldId id="297" r:id="rId36"/>
+    <p:sldId id="298" r:id="rId37"/>
+    <p:sldId id="302" r:id="rId38"/>
+    <p:sldId id="299" r:id="rId39"/>
+    <p:sldId id="301" r:id="rId40"/>
   </p:sldIdLst>
   <p:sldSz cx="12192000" cy="6858000"/>
   <p:notesSz cx="6858000" cy="9144000"/>
@@ -137,6 +145,11 @@
       </a:defRPr>
     </a:lvl9pPr>
   </p:defaultTextStyle>
+  <p:extLst>
+    <p:ext uri="{EFAFB233-063F-42B5-8137-9DF3F51BA10A}">
+      <p15:sldGuideLst xmlns:p15="http://schemas.microsoft.com/office/powerpoint/2012/main"/>
+    </p:ext>
+  </p:extLst>
 </p:presentation>
 </file>
 
@@ -222,7 +235,7 @@
           <a:p>
             <a:fld id="{DB03AFD4-331B-4FDB-A19B-320B1CC5DC23}" type="datetimeFigureOut">
               <a:rPr lang="ko-KR" altLang="en-US" smtClean="0"/>
-              <a:t>2019-04-01</a:t>
+              <a:t>2019-04-02</a:t>
             </a:fld>
             <a:endParaRPr lang="ko-KR" altLang="en-US"/>
           </a:p>
@@ -584,7 +597,7 @@
           <a:effectLst/>
           <a:extLst>
             <a:ext uri="{91240B29-F687-4f45-9708-019B960494DF}">
-              <a14:hiddenLine xmlns:a14="http://schemas.microsoft.com/office/drawing/2010/main" xmlns="" w="9525">
+              <a14:hiddenLine xmlns="" xmlns:a14="http://schemas.microsoft.com/office/drawing/2010/main" w="9525">
                 <a:solidFill>
                   <a:srgbClr val="000000"/>
                 </a:solidFill>
@@ -777,7 +790,7 @@
             <a:fld id="{08B9EBBA-996F-894A-B54A-D6246ED52CEA}" type="datetimeFigureOut">
               <a:rPr lang="en-US" dirty="0"/>
               <a:pPr/>
-              <a:t>4/1/2019</a:t>
+              <a:t>4/2/2019</a:t>
             </a:fld>
             <a:endParaRPr lang="en-US" dirty="0"/>
           </a:p>
@@ -1092,7 +1105,7 @@
             <a:fld id="{18C79C5D-2A6F-F04D-97DA-BEF2467B64E4}" type="datetimeFigureOut">
               <a:rPr lang="en-US" dirty="0"/>
               <a:pPr/>
-              <a:t>4/1/2019</a:t>
+              <a:t>4/2/2019</a:t>
             </a:fld>
             <a:endParaRPr lang="en-US" dirty="0"/>
           </a:p>
@@ -1577,7 +1590,7 @@
             <a:fld id="{8DFA1846-DA80-1C48-A609-854EA85C59AD}" type="datetimeFigureOut">
               <a:rPr lang="en-US" dirty="0"/>
               <a:pPr/>
-              <a:t>4/1/2019</a:t>
+              <a:t>4/2/2019</a:t>
             </a:fld>
             <a:endParaRPr lang="en-US" dirty="0"/>
           </a:p>
@@ -1943,7 +1956,7 @@
             <a:fld id="{FBF54567-0DE4-3F47-BF90-CB84690072F9}" type="datetimeFigureOut">
               <a:rPr lang="en-US" dirty="0"/>
               <a:pPr/>
-              <a:t>4/1/2019</a:t>
+              <a:t>4/2/2019</a:t>
             </a:fld>
             <a:endParaRPr lang="en-US" dirty="0"/>
           </a:p>
@@ -2094,7 +2107,7 @@
           <a:ln/>
           <a:extLst>
             <a:ext uri="{91240B29-F687-4f45-9708-019B960494DF}">
-              <a14:hiddenLine xmlns:a14="http://schemas.microsoft.com/office/drawing/2010/main" xmlns="" w="9525">
+              <a14:hiddenLine xmlns="" xmlns:a14="http://schemas.microsoft.com/office/drawing/2010/main" w="9525">
                 <a:solidFill>
                   <a:srgbClr val="000000"/>
                 </a:solidFill>
@@ -2213,7 +2226,7 @@
             <a:fld id="{C6C52C72-DE31-F449-A4ED-4C594FD91407}" type="datetimeFigureOut">
               <a:rPr lang="en-US" dirty="0"/>
               <a:pPr/>
-              <a:t>4/1/2019</a:t>
+              <a:t>4/2/2019</a:t>
             </a:fld>
             <a:endParaRPr lang="en-US" dirty="0"/>
           </a:p>
@@ -2366,7 +2379,7 @@
           <a:ln/>
           <a:extLst>
             <a:ext uri="{91240B29-F687-4f45-9708-019B960494DF}">
-              <a14:hiddenLine xmlns:a14="http://schemas.microsoft.com/office/drawing/2010/main" xmlns="" w="9525">
+              <a14:hiddenLine xmlns="" xmlns:a14="http://schemas.microsoft.com/office/drawing/2010/main" w="9525">
                 <a:solidFill>
                   <a:srgbClr val="000000"/>
                 </a:solidFill>
@@ -2495,7 +2508,7 @@
             <a:fld id="{ED62726E-379B-B349-9EED-81ED093FA806}" type="datetimeFigureOut">
               <a:rPr lang="en-US" dirty="0"/>
               <a:pPr/>
-              <a:t>4/1/2019</a:t>
+              <a:t>4/2/2019</a:t>
             </a:fld>
             <a:endParaRPr lang="en-US" dirty="0"/>
           </a:p>
@@ -2646,7 +2659,7 @@
           <a:ln/>
           <a:extLst>
             <a:ext uri="{91240B29-F687-4f45-9708-019B960494DF}">
-              <a14:hiddenLine xmlns:a14="http://schemas.microsoft.com/office/drawing/2010/main" xmlns="" w="9525">
+              <a14:hiddenLine xmlns="" xmlns:a14="http://schemas.microsoft.com/office/drawing/2010/main" w="9525">
                 <a:solidFill>
                   <a:srgbClr val="000000"/>
                 </a:solidFill>
@@ -2775,7 +2788,7 @@
             <a:fld id="{9B3A1323-8D79-1946-B0D7-40001CF92E9D}" type="datetimeFigureOut">
               <a:rPr lang="en-US" dirty="0"/>
               <a:pPr/>
-              <a:t>4/1/2019</a:t>
+              <a:t>4/2/2019</a:t>
             </a:fld>
             <a:endParaRPr lang="en-US" dirty="0"/>
           </a:p>
@@ -3115,7 +3128,7 @@
             <a:fld id="{8DFA1846-DA80-1C48-A609-854EA85C59AD}" type="datetimeFigureOut">
               <a:rPr lang="en-US" dirty="0"/>
               <a:pPr/>
-              <a:t>4/1/2019</a:t>
+              <a:t>4/2/2019</a:t>
             </a:fld>
             <a:endParaRPr lang="en-US" dirty="0"/>
           </a:p>
@@ -3266,7 +3279,7 @@
           <a:ln/>
           <a:extLst>
             <a:ext uri="{91240B29-F687-4f45-9708-019B960494DF}">
-              <a14:hiddenLine xmlns:a14="http://schemas.microsoft.com/office/drawing/2010/main" xmlns="" w="9525">
+              <a14:hiddenLine xmlns="" xmlns:a14="http://schemas.microsoft.com/office/drawing/2010/main" w="9525">
                 <a:solidFill>
                   <a:srgbClr val="000000"/>
                 </a:solidFill>
@@ -3451,7 +3464,7 @@
             <a:fld id="{57302355-E14B-8545-A8F8-0FE83CC9D524}" type="datetimeFigureOut">
               <a:rPr lang="en-US" dirty="0"/>
               <a:pPr/>
-              <a:t>4/1/2019</a:t>
+              <a:t>4/2/2019</a:t>
             </a:fld>
             <a:endParaRPr lang="en-US" dirty="0"/>
           </a:p>
@@ -3602,7 +3615,7 @@
           <a:ln/>
           <a:extLst>
             <a:ext uri="{91240B29-F687-4f45-9708-019B960494DF}">
-              <a14:hiddenLine xmlns:a14="http://schemas.microsoft.com/office/drawing/2010/main" xmlns="" w="9525">
+              <a14:hiddenLine xmlns="" xmlns:a14="http://schemas.microsoft.com/office/drawing/2010/main" w="9525">
                 <a:solidFill>
                   <a:srgbClr val="000000"/>
                 </a:solidFill>
@@ -3925,7 +3938,7 @@
             <a:fld id="{02640F58-564D-2B4F-AE67-E407BA4FCF45}" type="datetimeFigureOut">
               <a:rPr lang="en-US" dirty="0"/>
               <a:pPr/>
-              <a:t>4/1/2019</a:t>
+              <a:t>4/2/2019</a:t>
             </a:fld>
             <a:endParaRPr lang="en-US" dirty="0"/>
           </a:p>
@@ -4076,7 +4089,7 @@
           <a:ln/>
           <a:extLst>
             <a:ext uri="{91240B29-F687-4f45-9708-019B960494DF}">
-              <a14:hiddenLine xmlns:a14="http://schemas.microsoft.com/office/drawing/2010/main" xmlns="" w="9525">
+              <a14:hiddenLine xmlns="" xmlns:a14="http://schemas.microsoft.com/office/drawing/2010/main" w="9525">
                 <a:solidFill>
                   <a:srgbClr val="000000"/>
                 </a:solidFill>
@@ -4143,7 +4156,7 @@
             <a:fld id="{F13A34C8-038E-2045-AF43-DF7DBB8E0E9E}" type="datetimeFigureOut">
               <a:rPr lang="en-US" dirty="0"/>
               <a:pPr/>
-              <a:t>4/1/2019</a:t>
+              <a:t>4/2/2019</a:t>
             </a:fld>
             <a:endParaRPr lang="en-US" dirty="0"/>
           </a:p>
@@ -4235,7 +4248,7 @@
             <a:fld id="{8818C68F-D26B-8F47-958C-23B49CF8A634}" type="datetimeFigureOut">
               <a:rPr lang="en-US" dirty="0"/>
               <a:pPr/>
-              <a:t>4/1/2019</a:t>
+              <a:t>4/2/2019</a:t>
             </a:fld>
             <a:endParaRPr lang="en-US" dirty="0"/>
           </a:p>
@@ -4499,7 +4512,7 @@
           <a:ln/>
           <a:extLst>
             <a:ext uri="{91240B29-F687-4f45-9708-019B960494DF}">
-              <a14:hiddenLine xmlns:a14="http://schemas.microsoft.com/office/drawing/2010/main" xmlns="" w="9525">
+              <a14:hiddenLine xmlns="" xmlns:a14="http://schemas.microsoft.com/office/drawing/2010/main" w="9525">
                 <a:solidFill>
                   <a:srgbClr val="000000"/>
                 </a:solidFill>
@@ -4699,7 +4712,7 @@
             <a:fld id="{D0DF5E60-9974-AC48-9591-99C2BB44B7CF}" type="datetimeFigureOut">
               <a:rPr lang="en-US" dirty="0"/>
               <a:pPr/>
-              <a:t>4/1/2019</a:t>
+              <a:t>4/2/2019</a:t>
             </a:fld>
             <a:endParaRPr lang="en-US" dirty="0"/>
           </a:p>
@@ -5009,7 +5022,7 @@
             <a:fld id="{18C79C5D-2A6F-F04D-97DA-BEF2467B64E4}" type="datetimeFigureOut">
               <a:rPr lang="en-US" dirty="0"/>
               <a:pPr/>
-              <a:t>4/1/2019</a:t>
+              <a:t>4/2/2019</a:t>
             </a:fld>
             <a:endParaRPr lang="en-US" dirty="0"/>
           </a:p>
@@ -5276,7 +5289,7 @@
             <a:fld id="{09B482E8-6E0E-1B4F-B1FD-C69DB9E858D9}" type="datetimeFigureOut">
               <a:rPr lang="en-US" dirty="0"/>
               <a:pPr/>
-              <a:t>4/1/2019</a:t>
+              <a:t>4/2/2019</a:t>
             </a:fld>
             <a:endParaRPr lang="en-US" dirty="0"/>
           </a:p>
@@ -13140,6 +13153,1650 @@
     <p:extLst>
       <p:ext uri="{BB962C8B-B14F-4D97-AF65-F5344CB8AC3E}">
         <p14:creationId xmlns:p14="http://schemas.microsoft.com/office/powerpoint/2010/main" val="1062758241"/>
+      </p:ext>
+    </p:extLst>
+  </p:cSld>
+  <p:clrMapOvr>
+    <a:masterClrMapping/>
+  </p:clrMapOvr>
+</p:sld>
+</file>
+
+<file path=ppt/slides/slide32.xml><?xml version="1.0" encoding="utf-8"?>
+<p:sld xmlns:a="http://schemas.openxmlformats.org/drawingml/2006/main" xmlns:r="http://schemas.openxmlformats.org/officeDocument/2006/relationships" xmlns:p="http://schemas.openxmlformats.org/presentationml/2006/main">
+  <p:cSld>
+    <p:spTree>
+      <p:nvGrpSpPr>
+        <p:cNvPr id="1" name=""/>
+        <p:cNvGrpSpPr/>
+        <p:nvPr/>
+      </p:nvGrpSpPr>
+      <p:grpSpPr>
+        <a:xfrm>
+          <a:off x="0" y="0"/>
+          <a:ext cx="0" cy="0"/>
+          <a:chOff x="0" y="0"/>
+          <a:chExt cx="0" cy="0"/>
+        </a:xfrm>
+      </p:grpSpPr>
+      <p:sp>
+        <p:nvSpPr>
+          <p:cNvPr id="2" name="제목 1">
+            <a:extLst>
+              <a:ext uri="{FF2B5EF4-FFF2-40B4-BE49-F238E27FC236}">
+                <a16:creationId xmlns:a16="http://schemas.microsoft.com/office/drawing/2014/main" id="{4902842D-96AA-4620-B4F6-A5A2174E9FAA}"/>
+              </a:ext>
+            </a:extLst>
+          </p:cNvPr>
+          <p:cNvSpPr>
+            <a:spLocks noGrp="1"/>
+          </p:cNvSpPr>
+          <p:nvPr>
+            <p:ph type="title"/>
+          </p:nvPr>
+        </p:nvSpPr>
+        <p:spPr/>
+        <p:txBody>
+          <a:bodyPr/>
+          <a:lstStyle/>
+          <a:p>
+            <a:r>
+              <a:rPr lang="en-US" altLang="ko-KR" dirty="0"/>
+              <a:t>4. R Studio </a:t>
+            </a:r>
+            <a:r>
+              <a:rPr lang="ko-KR" altLang="en-US" dirty="0"/>
+              <a:t>로 시각화 하기 </a:t>
+            </a:r>
+            <a:r>
+              <a:rPr lang="en-US" altLang="ko-KR" dirty="0"/>
+              <a:t>( Visualizations )</a:t>
+            </a:r>
+            <a:endParaRPr lang="ko-KR" altLang="en-US" dirty="0"/>
+          </a:p>
+        </p:txBody>
+      </p:sp>
+      <p:sp>
+        <p:nvSpPr>
+          <p:cNvPr id="3" name="TextBox 2">
+            <a:extLst>
+              <a:ext uri="{FF2B5EF4-FFF2-40B4-BE49-F238E27FC236}">
+                <a16:creationId xmlns:a16="http://schemas.microsoft.com/office/drawing/2014/main" id="{EA2A510E-DA2A-41C8-88A5-8E2984F8CC3F}"/>
+              </a:ext>
+            </a:extLst>
+          </p:cNvPr>
+          <p:cNvSpPr txBox="1"/>
+          <p:nvPr/>
+        </p:nvSpPr>
+        <p:spPr>
+          <a:xfrm>
+            <a:off x="520118" y="1375794"/>
+            <a:ext cx="4496499" cy="369332"/>
+          </a:xfrm>
+          <a:prstGeom prst="rect">
+            <a:avLst/>
+          </a:prstGeom>
+          <a:noFill/>
+        </p:spPr>
+        <p:txBody>
+          <a:bodyPr wrap="square" rtlCol="0">
+            <a:spAutoFit/>
+          </a:bodyPr>
+          <a:lstStyle/>
+          <a:p>
+            <a:r>
+              <a:rPr lang="en-US" altLang="ko-KR" dirty="0">
+                <a:solidFill>
+                  <a:schemeClr val="accent3">
+                    <a:lumMod val="75000"/>
+                  </a:schemeClr>
+                </a:solidFill>
+              </a:rPr>
+              <a:t>1. 1. R studio </a:t>
+            </a:r>
+            <a:r>
+              <a:rPr lang="ko-KR" altLang="en-US" dirty="0">
+                <a:solidFill>
+                  <a:schemeClr val="accent3">
+                    <a:lumMod val="75000"/>
+                  </a:schemeClr>
+                </a:solidFill>
+              </a:rPr>
+              <a:t>패키지 설치 및 사용준비</a:t>
+            </a:r>
+          </a:p>
+        </p:txBody>
+      </p:sp>
+      <p:pic>
+        <p:nvPicPr>
+          <p:cNvPr id="7" name="그림 6">
+            <a:extLst>
+              <a:ext uri="{FF2B5EF4-FFF2-40B4-BE49-F238E27FC236}">
+                <a16:creationId xmlns:a16="http://schemas.microsoft.com/office/drawing/2014/main" id="{84EE854B-0386-441C-A922-A03360F77D3A}"/>
+              </a:ext>
+            </a:extLst>
+          </p:cNvPr>
+          <p:cNvPicPr>
+            <a:picLocks noChangeAspect="1"/>
+          </p:cNvPicPr>
+          <p:nvPr/>
+        </p:nvPicPr>
+        <p:blipFill>
+          <a:blip r:embed="rId2"/>
+          <a:stretch>
+            <a:fillRect/>
+          </a:stretch>
+        </p:blipFill>
+        <p:spPr>
+          <a:xfrm>
+            <a:off x="591467" y="1952235"/>
+            <a:ext cx="4193538" cy="1813814"/>
+          </a:xfrm>
+          <a:prstGeom prst="rect">
+            <a:avLst/>
+          </a:prstGeom>
+        </p:spPr>
+      </p:pic>
+      <p:sp>
+        <p:nvSpPr>
+          <p:cNvPr id="8" name="TextBox 7">
+            <a:extLst>
+              <a:ext uri="{FF2B5EF4-FFF2-40B4-BE49-F238E27FC236}">
+                <a16:creationId xmlns:a16="http://schemas.microsoft.com/office/drawing/2014/main" id="{4762A189-0894-4281-85B8-C558ACE30884}"/>
+              </a:ext>
+            </a:extLst>
+          </p:cNvPr>
+          <p:cNvSpPr txBox="1"/>
+          <p:nvPr/>
+        </p:nvSpPr>
+        <p:spPr>
+          <a:xfrm>
+            <a:off x="6006519" y="1073790"/>
+            <a:ext cx="4496499" cy="369332"/>
+          </a:xfrm>
+          <a:prstGeom prst="rect">
+            <a:avLst/>
+          </a:prstGeom>
+          <a:noFill/>
+        </p:spPr>
+        <p:txBody>
+          <a:bodyPr wrap="square" rtlCol="0">
+            <a:spAutoFit/>
+          </a:bodyPr>
+          <a:lstStyle/>
+          <a:p>
+            <a:r>
+              <a:rPr lang="en-US" altLang="ko-KR" dirty="0">
+                <a:solidFill>
+                  <a:schemeClr val="accent3">
+                    <a:lumMod val="75000"/>
+                  </a:schemeClr>
+                </a:solidFill>
+              </a:rPr>
+              <a:t>1. 2. KoNLP </a:t>
+            </a:r>
+            <a:r>
+              <a:rPr lang="ko-KR" altLang="en-US" dirty="0">
+                <a:solidFill>
+                  <a:schemeClr val="accent3">
+                    <a:lumMod val="75000"/>
+                  </a:schemeClr>
+                </a:solidFill>
+              </a:rPr>
+              <a:t>설치 및 사전 생성</a:t>
+            </a:r>
+          </a:p>
+        </p:txBody>
+      </p:sp>
+      <p:sp>
+        <p:nvSpPr>
+          <p:cNvPr id="10" name="TextBox 9">
+            <a:extLst>
+              <a:ext uri="{FF2B5EF4-FFF2-40B4-BE49-F238E27FC236}">
+                <a16:creationId xmlns:a16="http://schemas.microsoft.com/office/drawing/2014/main" id="{4943E983-68C0-476B-AD1B-2A436D7DF1DB}"/>
+              </a:ext>
+            </a:extLst>
+          </p:cNvPr>
+          <p:cNvSpPr txBox="1"/>
+          <p:nvPr/>
+        </p:nvSpPr>
+        <p:spPr>
+          <a:xfrm>
+            <a:off x="6429681" y="1581728"/>
+            <a:ext cx="4702512" cy="646331"/>
+          </a:xfrm>
+          <a:prstGeom prst="rect">
+            <a:avLst/>
+          </a:prstGeom>
+          <a:noFill/>
+        </p:spPr>
+        <p:txBody>
+          <a:bodyPr wrap="square" rtlCol="0">
+            <a:spAutoFit/>
+          </a:bodyPr>
+          <a:lstStyle/>
+          <a:p>
+            <a:r>
+              <a:rPr lang="en-US" altLang="ko-KR" dirty="0"/>
+              <a:t>KoNLP</a:t>
+            </a:r>
+            <a:r>
+              <a:rPr lang="ko-KR" altLang="en-US" dirty="0"/>
+              <a:t>란</a:t>
+            </a:r>
+            <a:r>
+              <a:rPr lang="en-US" altLang="ko-KR" dirty="0"/>
+              <a:t>?</a:t>
+            </a:r>
+          </a:p>
+          <a:p>
+            <a:r>
+              <a:rPr lang="en-US" altLang="ko-KR" dirty="0"/>
+              <a:t>-&gt; </a:t>
+            </a:r>
+            <a:r>
+              <a:rPr lang="ko-KR" altLang="en-US" dirty="0"/>
+              <a:t>한글 자연어 분석 패키지</a:t>
+            </a:r>
+            <a:r>
+              <a:rPr lang="en-US" altLang="ko-KR" dirty="0"/>
+              <a:t> </a:t>
+            </a:r>
+            <a:endParaRPr lang="ko-KR" altLang="en-US" dirty="0"/>
+          </a:p>
+        </p:txBody>
+      </p:sp>
+      <p:pic>
+        <p:nvPicPr>
+          <p:cNvPr id="14" name="그림 13">
+            <a:extLst>
+              <a:ext uri="{FF2B5EF4-FFF2-40B4-BE49-F238E27FC236}">
+                <a16:creationId xmlns:a16="http://schemas.microsoft.com/office/drawing/2014/main" id="{2B018E6D-8CFE-48D4-B6E2-7CFBDEBD1E72}"/>
+              </a:ext>
+            </a:extLst>
+          </p:cNvPr>
+          <p:cNvPicPr>
+            <a:picLocks noChangeAspect="1"/>
+          </p:cNvPicPr>
+          <p:nvPr/>
+        </p:nvPicPr>
+        <p:blipFill>
+          <a:blip r:embed="rId3"/>
+          <a:stretch>
+            <a:fillRect/>
+          </a:stretch>
+        </p:blipFill>
+        <p:spPr>
+          <a:xfrm>
+            <a:off x="6096000" y="2557138"/>
+            <a:ext cx="5504533" cy="1972917"/>
+          </a:xfrm>
+          <a:prstGeom prst="rect">
+            <a:avLst/>
+          </a:prstGeom>
+        </p:spPr>
+      </p:pic>
+      <p:pic>
+        <p:nvPicPr>
+          <p:cNvPr id="5" name="그림 4">
+            <a:extLst>
+              <a:ext uri="{FF2B5EF4-FFF2-40B4-BE49-F238E27FC236}">
+                <a16:creationId xmlns:a16="http://schemas.microsoft.com/office/drawing/2014/main" id="{DF279B39-3CEC-43A1-8A26-25EBABA28B47}"/>
+              </a:ext>
+            </a:extLst>
+          </p:cNvPr>
+          <p:cNvPicPr>
+            <a:picLocks noChangeAspect="1"/>
+          </p:cNvPicPr>
+          <p:nvPr/>
+        </p:nvPicPr>
+        <p:blipFill>
+          <a:blip r:embed="rId4"/>
+          <a:stretch>
+            <a:fillRect/>
+          </a:stretch>
+        </p:blipFill>
+        <p:spPr>
+          <a:xfrm>
+            <a:off x="591467" y="4716559"/>
+            <a:ext cx="4568306" cy="1885576"/>
+          </a:xfrm>
+          <a:prstGeom prst="rect">
+            <a:avLst/>
+          </a:prstGeom>
+        </p:spPr>
+      </p:pic>
+      <p:sp>
+        <p:nvSpPr>
+          <p:cNvPr id="11" name="TextBox 10">
+            <a:extLst>
+              <a:ext uri="{FF2B5EF4-FFF2-40B4-BE49-F238E27FC236}">
+                <a16:creationId xmlns:a16="http://schemas.microsoft.com/office/drawing/2014/main" id="{B1426E92-7267-4846-8980-1D692BC6AC5D}"/>
+              </a:ext>
+            </a:extLst>
+          </p:cNvPr>
+          <p:cNvSpPr txBox="1"/>
+          <p:nvPr/>
+        </p:nvSpPr>
+        <p:spPr>
+          <a:xfrm>
+            <a:off x="520118" y="4160723"/>
+            <a:ext cx="4496499" cy="369332"/>
+          </a:xfrm>
+          <a:prstGeom prst="rect">
+            <a:avLst/>
+          </a:prstGeom>
+          <a:noFill/>
+        </p:spPr>
+        <p:txBody>
+          <a:bodyPr wrap="square" rtlCol="0">
+            <a:spAutoFit/>
+          </a:bodyPr>
+          <a:lstStyle/>
+          <a:p>
+            <a:r>
+              <a:rPr lang="en-US" altLang="ko-KR" dirty="0">
+                <a:solidFill>
+                  <a:schemeClr val="accent3">
+                    <a:lumMod val="75000"/>
+                  </a:schemeClr>
+                </a:solidFill>
+              </a:rPr>
+              <a:t>1. 3. </a:t>
+            </a:r>
+            <a:r>
+              <a:rPr lang="ko-KR" altLang="en-US" dirty="0">
+                <a:solidFill>
+                  <a:schemeClr val="accent3">
+                    <a:lumMod val="75000"/>
+                  </a:schemeClr>
+                </a:solidFill>
+              </a:rPr>
+              <a:t>패키지 사용</a:t>
+            </a:r>
+          </a:p>
+        </p:txBody>
+      </p:sp>
+    </p:spTree>
+    <p:extLst>
+      <p:ext uri="{BB962C8B-B14F-4D97-AF65-F5344CB8AC3E}">
+        <p14:creationId xmlns:p14="http://schemas.microsoft.com/office/powerpoint/2010/main" val="1379753696"/>
+      </p:ext>
+    </p:extLst>
+  </p:cSld>
+  <p:clrMapOvr>
+    <a:masterClrMapping/>
+  </p:clrMapOvr>
+</p:sld>
+</file>
+
+<file path=ppt/slides/slide33.xml><?xml version="1.0" encoding="utf-8"?>
+<p:sld xmlns:a="http://schemas.openxmlformats.org/drawingml/2006/main" xmlns:r="http://schemas.openxmlformats.org/officeDocument/2006/relationships" xmlns:p="http://schemas.openxmlformats.org/presentationml/2006/main">
+  <p:cSld>
+    <p:spTree>
+      <p:nvGrpSpPr>
+        <p:cNvPr id="1" name=""/>
+        <p:cNvGrpSpPr/>
+        <p:nvPr/>
+      </p:nvGrpSpPr>
+      <p:grpSpPr>
+        <a:xfrm>
+          <a:off x="0" y="0"/>
+          <a:ext cx="0" cy="0"/>
+          <a:chOff x="0" y="0"/>
+          <a:chExt cx="0" cy="0"/>
+        </a:xfrm>
+      </p:grpSpPr>
+      <p:sp>
+        <p:nvSpPr>
+          <p:cNvPr id="2" name="제목 1">
+            <a:extLst>
+              <a:ext uri="{FF2B5EF4-FFF2-40B4-BE49-F238E27FC236}">
+                <a16:creationId xmlns:a16="http://schemas.microsoft.com/office/drawing/2014/main" id="{4902842D-96AA-4620-B4F6-A5A2174E9FAA}"/>
+              </a:ext>
+            </a:extLst>
+          </p:cNvPr>
+          <p:cNvSpPr>
+            <a:spLocks noGrp="1"/>
+          </p:cNvSpPr>
+          <p:nvPr>
+            <p:ph type="title"/>
+          </p:nvPr>
+        </p:nvSpPr>
+        <p:spPr/>
+        <p:txBody>
+          <a:bodyPr/>
+          <a:lstStyle/>
+          <a:p>
+            <a:r>
+              <a:rPr lang="en-US" altLang="ko-KR" dirty="0"/>
+              <a:t>4. R Studio </a:t>
+            </a:r>
+            <a:r>
+              <a:rPr lang="ko-KR" altLang="en-US" dirty="0"/>
+              <a:t>로 시각화 하기 </a:t>
+            </a:r>
+            <a:r>
+              <a:rPr lang="en-US" altLang="ko-KR" dirty="0"/>
+              <a:t>( Visualizations )</a:t>
+            </a:r>
+            <a:endParaRPr lang="ko-KR" altLang="en-US" dirty="0"/>
+          </a:p>
+        </p:txBody>
+      </p:sp>
+      <p:sp>
+        <p:nvSpPr>
+          <p:cNvPr id="4" name="TextBox 3">
+            <a:extLst>
+              <a:ext uri="{FF2B5EF4-FFF2-40B4-BE49-F238E27FC236}">
+                <a16:creationId xmlns:a16="http://schemas.microsoft.com/office/drawing/2014/main" id="{379EF7F7-0153-4493-A197-70BFDA6A4012}"/>
+              </a:ext>
+            </a:extLst>
+          </p:cNvPr>
+          <p:cNvSpPr txBox="1"/>
+          <p:nvPr/>
+        </p:nvSpPr>
+        <p:spPr>
+          <a:xfrm>
+            <a:off x="520118" y="1375794"/>
+            <a:ext cx="7810150" cy="369332"/>
+          </a:xfrm>
+          <a:prstGeom prst="rect">
+            <a:avLst/>
+          </a:prstGeom>
+          <a:noFill/>
+        </p:spPr>
+        <p:txBody>
+          <a:bodyPr wrap="square" rtlCol="0">
+            <a:spAutoFit/>
+          </a:bodyPr>
+          <a:lstStyle/>
+          <a:p>
+            <a:r>
+              <a:rPr lang="en-US" altLang="ko-KR" dirty="0">
+                <a:solidFill>
+                  <a:schemeClr val="accent3">
+                    <a:lumMod val="75000"/>
+                  </a:schemeClr>
+                </a:solidFill>
+              </a:rPr>
+              <a:t>2. Working Directory </a:t>
+            </a:r>
+            <a:r>
+              <a:rPr lang="ko-KR" altLang="en-US" dirty="0">
+                <a:solidFill>
+                  <a:schemeClr val="accent3">
+                    <a:lumMod val="75000"/>
+                  </a:schemeClr>
+                </a:solidFill>
+              </a:rPr>
+              <a:t>를 설정하고 앞서 저장해둔 </a:t>
+            </a:r>
+            <a:r>
+              <a:rPr lang="en-US" altLang="ko-KR" dirty="0">
+                <a:solidFill>
+                  <a:schemeClr val="accent3">
+                    <a:lumMod val="75000"/>
+                  </a:schemeClr>
+                </a:solidFill>
+              </a:rPr>
+              <a:t>txt</a:t>
+            </a:r>
+            <a:r>
+              <a:rPr lang="ko-KR" altLang="en-US" dirty="0">
+                <a:solidFill>
+                  <a:schemeClr val="accent3">
+                    <a:lumMod val="75000"/>
+                  </a:schemeClr>
+                </a:solidFill>
+              </a:rPr>
+              <a:t>파일 불러오기</a:t>
+            </a:r>
+            <a:endParaRPr lang="en-US" altLang="ko-KR" dirty="0">
+              <a:solidFill>
+                <a:schemeClr val="accent3">
+                  <a:lumMod val="75000"/>
+                </a:schemeClr>
+              </a:solidFill>
+            </a:endParaRPr>
+          </a:p>
+        </p:txBody>
+      </p:sp>
+      <p:pic>
+        <p:nvPicPr>
+          <p:cNvPr id="5" name="그림 4">
+            <a:extLst>
+              <a:ext uri="{FF2B5EF4-FFF2-40B4-BE49-F238E27FC236}">
+                <a16:creationId xmlns:a16="http://schemas.microsoft.com/office/drawing/2014/main" id="{3DD52EBE-3D83-4A63-8069-294D597DF1D6}"/>
+              </a:ext>
+            </a:extLst>
+          </p:cNvPr>
+          <p:cNvPicPr>
+            <a:picLocks noChangeAspect="1"/>
+          </p:cNvPicPr>
+          <p:nvPr/>
+        </p:nvPicPr>
+        <p:blipFill>
+          <a:blip r:embed="rId2"/>
+          <a:stretch>
+            <a:fillRect/>
+          </a:stretch>
+        </p:blipFill>
+        <p:spPr>
+          <a:xfrm>
+            <a:off x="520118" y="2416565"/>
+            <a:ext cx="10303976" cy="1012435"/>
+          </a:xfrm>
+          <a:prstGeom prst="rect">
+            <a:avLst/>
+          </a:prstGeom>
+        </p:spPr>
+      </p:pic>
+    </p:spTree>
+    <p:extLst>
+      <p:ext uri="{BB962C8B-B14F-4D97-AF65-F5344CB8AC3E}">
+        <p14:creationId xmlns:p14="http://schemas.microsoft.com/office/powerpoint/2010/main" val="2227796948"/>
+      </p:ext>
+    </p:extLst>
+  </p:cSld>
+  <p:clrMapOvr>
+    <a:masterClrMapping/>
+  </p:clrMapOvr>
+</p:sld>
+</file>
+
+<file path=ppt/slides/slide34.xml><?xml version="1.0" encoding="utf-8"?>
+<p:sld xmlns:a="http://schemas.openxmlformats.org/drawingml/2006/main" xmlns:r="http://schemas.openxmlformats.org/officeDocument/2006/relationships" xmlns:p="http://schemas.openxmlformats.org/presentationml/2006/main">
+  <p:cSld>
+    <p:spTree>
+      <p:nvGrpSpPr>
+        <p:cNvPr id="1" name=""/>
+        <p:cNvGrpSpPr/>
+        <p:nvPr/>
+      </p:nvGrpSpPr>
+      <p:grpSpPr>
+        <a:xfrm>
+          <a:off x="0" y="0"/>
+          <a:ext cx="0" cy="0"/>
+          <a:chOff x="0" y="0"/>
+          <a:chExt cx="0" cy="0"/>
+        </a:xfrm>
+      </p:grpSpPr>
+      <p:sp>
+        <p:nvSpPr>
+          <p:cNvPr id="2" name="제목 1">
+            <a:extLst>
+              <a:ext uri="{FF2B5EF4-FFF2-40B4-BE49-F238E27FC236}">
+                <a16:creationId xmlns:a16="http://schemas.microsoft.com/office/drawing/2014/main" id="{4902842D-96AA-4620-B4F6-A5A2174E9FAA}"/>
+              </a:ext>
+            </a:extLst>
+          </p:cNvPr>
+          <p:cNvSpPr>
+            <a:spLocks noGrp="1"/>
+          </p:cNvSpPr>
+          <p:nvPr>
+            <p:ph type="title"/>
+          </p:nvPr>
+        </p:nvSpPr>
+        <p:spPr/>
+        <p:txBody>
+          <a:bodyPr/>
+          <a:lstStyle/>
+          <a:p>
+            <a:r>
+              <a:rPr lang="en-US" altLang="ko-KR" dirty="0"/>
+              <a:t>4. R Studio </a:t>
+            </a:r>
+            <a:r>
+              <a:rPr lang="ko-KR" altLang="en-US" dirty="0"/>
+              <a:t>로 시각화 하기 </a:t>
+            </a:r>
+            <a:r>
+              <a:rPr lang="en-US" altLang="ko-KR" dirty="0"/>
+              <a:t>( Visualizations )</a:t>
+            </a:r>
+            <a:endParaRPr lang="ko-KR" altLang="en-US" dirty="0"/>
+          </a:p>
+        </p:txBody>
+      </p:sp>
+      <p:pic>
+        <p:nvPicPr>
+          <p:cNvPr id="4" name="그림 3">
+            <a:extLst>
+              <a:ext uri="{FF2B5EF4-FFF2-40B4-BE49-F238E27FC236}">
+                <a16:creationId xmlns:a16="http://schemas.microsoft.com/office/drawing/2014/main" id="{BB4B5590-6EA5-4932-AF51-7780862FA8E5}"/>
+              </a:ext>
+            </a:extLst>
+          </p:cNvPr>
+          <p:cNvPicPr>
+            <a:picLocks noChangeAspect="1"/>
+          </p:cNvPicPr>
+          <p:nvPr/>
+        </p:nvPicPr>
+        <p:blipFill>
+          <a:blip r:embed="rId2"/>
+          <a:stretch>
+            <a:fillRect/>
+          </a:stretch>
+        </p:blipFill>
+        <p:spPr>
+          <a:xfrm>
+            <a:off x="759656" y="2282400"/>
+            <a:ext cx="9980438" cy="4202290"/>
+          </a:xfrm>
+          <a:prstGeom prst="rect">
+            <a:avLst/>
+          </a:prstGeom>
+        </p:spPr>
+      </p:pic>
+      <p:sp>
+        <p:nvSpPr>
+          <p:cNvPr id="5" name="TextBox 4">
+            <a:extLst>
+              <a:ext uri="{FF2B5EF4-FFF2-40B4-BE49-F238E27FC236}">
+                <a16:creationId xmlns:a16="http://schemas.microsoft.com/office/drawing/2014/main" id="{DC9593D5-4D16-4855-81D7-9E8C9B17B9D3}"/>
+              </a:ext>
+            </a:extLst>
+          </p:cNvPr>
+          <p:cNvSpPr txBox="1"/>
+          <p:nvPr/>
+        </p:nvSpPr>
+        <p:spPr>
+          <a:xfrm>
+            <a:off x="520118" y="1375794"/>
+            <a:ext cx="7810150" cy="369332"/>
+          </a:xfrm>
+          <a:prstGeom prst="rect">
+            <a:avLst/>
+          </a:prstGeom>
+          <a:noFill/>
+        </p:spPr>
+        <p:txBody>
+          <a:bodyPr wrap="square" rtlCol="0">
+            <a:spAutoFit/>
+          </a:bodyPr>
+          <a:lstStyle/>
+          <a:p>
+            <a:r>
+              <a:rPr lang="en-US" altLang="ko-KR" dirty="0">
+                <a:solidFill>
+                  <a:schemeClr val="accent3">
+                    <a:lumMod val="75000"/>
+                  </a:schemeClr>
+                </a:solidFill>
+              </a:rPr>
+              <a:t>3. Txt</a:t>
+            </a:r>
+            <a:r>
+              <a:rPr lang="ko-KR" altLang="en-US" dirty="0">
+                <a:solidFill>
+                  <a:schemeClr val="accent3">
+                    <a:lumMod val="75000"/>
+                  </a:schemeClr>
+                </a:solidFill>
+              </a:rPr>
+              <a:t> 파일안에서 단어 쪼개고 </a:t>
+            </a:r>
+            <a:r>
+              <a:rPr lang="ko-KR" altLang="en-US" dirty="0" err="1">
+                <a:solidFill>
+                  <a:schemeClr val="accent3">
+                    <a:lumMod val="75000"/>
+                  </a:schemeClr>
+                </a:solidFill>
+              </a:rPr>
+              <a:t>쓸모없는</a:t>
+            </a:r>
+            <a:r>
+              <a:rPr lang="ko-KR" altLang="en-US" dirty="0">
+                <a:solidFill>
+                  <a:schemeClr val="accent3">
+                    <a:lumMod val="75000"/>
+                  </a:schemeClr>
+                </a:solidFill>
+              </a:rPr>
+              <a:t> 단어 삭제하기</a:t>
+            </a:r>
+            <a:endParaRPr lang="en-US" altLang="ko-KR" dirty="0">
+              <a:solidFill>
+                <a:schemeClr val="accent3">
+                  <a:lumMod val="75000"/>
+                </a:schemeClr>
+              </a:solidFill>
+            </a:endParaRPr>
+          </a:p>
+        </p:txBody>
+      </p:sp>
+    </p:spTree>
+    <p:extLst>
+      <p:ext uri="{BB962C8B-B14F-4D97-AF65-F5344CB8AC3E}">
+        <p14:creationId xmlns:p14="http://schemas.microsoft.com/office/powerpoint/2010/main" val="1234335129"/>
+      </p:ext>
+    </p:extLst>
+  </p:cSld>
+  <p:clrMapOvr>
+    <a:masterClrMapping/>
+  </p:clrMapOvr>
+</p:sld>
+</file>
+
+<file path=ppt/slides/slide35.xml><?xml version="1.0" encoding="utf-8"?>
+<p:sld xmlns:a="http://schemas.openxmlformats.org/drawingml/2006/main" xmlns:r="http://schemas.openxmlformats.org/officeDocument/2006/relationships" xmlns:p="http://schemas.openxmlformats.org/presentationml/2006/main">
+  <p:cSld>
+    <p:spTree>
+      <p:nvGrpSpPr>
+        <p:cNvPr id="1" name=""/>
+        <p:cNvGrpSpPr/>
+        <p:nvPr/>
+      </p:nvGrpSpPr>
+      <p:grpSpPr>
+        <a:xfrm>
+          <a:off x="0" y="0"/>
+          <a:ext cx="0" cy="0"/>
+          <a:chOff x="0" y="0"/>
+          <a:chExt cx="0" cy="0"/>
+        </a:xfrm>
+      </p:grpSpPr>
+      <p:sp>
+        <p:nvSpPr>
+          <p:cNvPr id="2" name="제목 1">
+            <a:extLst>
+              <a:ext uri="{FF2B5EF4-FFF2-40B4-BE49-F238E27FC236}">
+                <a16:creationId xmlns:a16="http://schemas.microsoft.com/office/drawing/2014/main" id="{4902842D-96AA-4620-B4F6-A5A2174E9FAA}"/>
+              </a:ext>
+            </a:extLst>
+          </p:cNvPr>
+          <p:cNvSpPr>
+            <a:spLocks noGrp="1"/>
+          </p:cNvSpPr>
+          <p:nvPr>
+            <p:ph type="title"/>
+          </p:nvPr>
+        </p:nvSpPr>
+        <p:spPr/>
+        <p:txBody>
+          <a:bodyPr/>
+          <a:lstStyle/>
+          <a:p>
+            <a:r>
+              <a:rPr lang="en-US" altLang="ko-KR" dirty="0"/>
+              <a:t>4. R Studio </a:t>
+            </a:r>
+            <a:r>
+              <a:rPr lang="ko-KR" altLang="en-US" dirty="0"/>
+              <a:t>로 시각화 하기 </a:t>
+            </a:r>
+            <a:r>
+              <a:rPr lang="en-US" altLang="ko-KR" dirty="0"/>
+              <a:t>( Visualizations )</a:t>
+            </a:r>
+            <a:endParaRPr lang="ko-KR" altLang="en-US" dirty="0"/>
+          </a:p>
+        </p:txBody>
+      </p:sp>
+      <p:sp>
+        <p:nvSpPr>
+          <p:cNvPr id="3" name="TextBox 2">
+            <a:extLst>
+              <a:ext uri="{FF2B5EF4-FFF2-40B4-BE49-F238E27FC236}">
+                <a16:creationId xmlns:a16="http://schemas.microsoft.com/office/drawing/2014/main" id="{F2DBDA8F-5AE4-4D97-A433-543F5AC0359B}"/>
+              </a:ext>
+            </a:extLst>
+          </p:cNvPr>
+          <p:cNvSpPr txBox="1"/>
+          <p:nvPr/>
+        </p:nvSpPr>
+        <p:spPr>
+          <a:xfrm>
+            <a:off x="520118" y="1375794"/>
+            <a:ext cx="7810150" cy="646331"/>
+          </a:xfrm>
+          <a:prstGeom prst="rect">
+            <a:avLst/>
+          </a:prstGeom>
+          <a:noFill/>
+        </p:spPr>
+        <p:txBody>
+          <a:bodyPr wrap="square" rtlCol="0">
+            <a:spAutoFit/>
+          </a:bodyPr>
+          <a:lstStyle/>
+          <a:p>
+            <a:r>
+              <a:rPr lang="en-US" altLang="ko-KR" dirty="0">
+                <a:solidFill>
+                  <a:schemeClr val="accent3">
+                    <a:lumMod val="75000"/>
+                  </a:schemeClr>
+                </a:solidFill>
+              </a:rPr>
+              <a:t>4. </a:t>
+            </a:r>
+            <a:r>
+              <a:rPr lang="ko-KR" altLang="en-US" dirty="0">
+                <a:solidFill>
+                  <a:schemeClr val="accent3">
+                    <a:lumMod val="75000"/>
+                  </a:schemeClr>
+                </a:solidFill>
+              </a:rPr>
+              <a:t>공백 과같은 것들을 </a:t>
+            </a:r>
+            <a:r>
+              <a:rPr lang="ko-KR" altLang="en-US" dirty="0" err="1">
+                <a:solidFill>
+                  <a:schemeClr val="accent3">
+                    <a:lumMod val="75000"/>
+                  </a:schemeClr>
+                </a:solidFill>
+              </a:rPr>
+              <a:t>없애주기</a:t>
+            </a:r>
+            <a:r>
+              <a:rPr lang="ko-KR" altLang="en-US" dirty="0">
+                <a:solidFill>
+                  <a:schemeClr val="accent3">
+                    <a:lumMod val="75000"/>
+                  </a:schemeClr>
+                </a:solidFill>
+              </a:rPr>
+              <a:t> 위해서 임시파일로 만들어내고</a:t>
+            </a:r>
+            <a:r>
+              <a:rPr lang="en-US" altLang="ko-KR" dirty="0">
+                <a:solidFill>
+                  <a:schemeClr val="accent3">
+                    <a:lumMod val="75000"/>
+                  </a:schemeClr>
+                </a:solidFill>
+              </a:rPr>
+              <a:t>, </a:t>
+            </a:r>
+            <a:r>
+              <a:rPr lang="ko-KR" altLang="en-US" dirty="0">
+                <a:solidFill>
+                  <a:schemeClr val="accent3">
+                    <a:lumMod val="75000"/>
+                  </a:schemeClr>
+                </a:solidFill>
+              </a:rPr>
+              <a:t>테이블 형태로 만들어서 최대 빈도로 나온 값을 정렬 해주는 것</a:t>
+            </a:r>
+            <a:endParaRPr lang="en-US" altLang="ko-KR" dirty="0">
+              <a:solidFill>
+                <a:schemeClr val="accent3">
+                  <a:lumMod val="75000"/>
+                </a:schemeClr>
+              </a:solidFill>
+            </a:endParaRPr>
+          </a:p>
+        </p:txBody>
+      </p:sp>
+      <p:pic>
+        <p:nvPicPr>
+          <p:cNvPr id="5" name="그림 4">
+            <a:extLst>
+              <a:ext uri="{FF2B5EF4-FFF2-40B4-BE49-F238E27FC236}">
+                <a16:creationId xmlns:a16="http://schemas.microsoft.com/office/drawing/2014/main" id="{573DD24C-1579-4F7D-A549-3247F7006532}"/>
+              </a:ext>
+            </a:extLst>
+          </p:cNvPr>
+          <p:cNvPicPr>
+            <a:picLocks noChangeAspect="1"/>
+          </p:cNvPicPr>
+          <p:nvPr/>
+        </p:nvPicPr>
+        <p:blipFill>
+          <a:blip r:embed="rId2"/>
+          <a:stretch>
+            <a:fillRect/>
+          </a:stretch>
+        </p:blipFill>
+        <p:spPr>
+          <a:xfrm>
+            <a:off x="696177" y="2116935"/>
+            <a:ext cx="7289583" cy="4169955"/>
+          </a:xfrm>
+          <a:prstGeom prst="rect">
+            <a:avLst/>
+          </a:prstGeom>
+        </p:spPr>
+      </p:pic>
+    </p:spTree>
+    <p:extLst>
+      <p:ext uri="{BB962C8B-B14F-4D97-AF65-F5344CB8AC3E}">
+        <p14:creationId xmlns:p14="http://schemas.microsoft.com/office/powerpoint/2010/main" val="1047215349"/>
+      </p:ext>
+    </p:extLst>
+  </p:cSld>
+  <p:clrMapOvr>
+    <a:masterClrMapping/>
+  </p:clrMapOvr>
+</p:sld>
+</file>
+
+<file path=ppt/slides/slide36.xml><?xml version="1.0" encoding="utf-8"?>
+<p:sld xmlns:a="http://schemas.openxmlformats.org/drawingml/2006/main" xmlns:r="http://schemas.openxmlformats.org/officeDocument/2006/relationships" xmlns:p="http://schemas.openxmlformats.org/presentationml/2006/main">
+  <p:cSld>
+    <p:spTree>
+      <p:nvGrpSpPr>
+        <p:cNvPr id="1" name=""/>
+        <p:cNvGrpSpPr/>
+        <p:nvPr/>
+      </p:nvGrpSpPr>
+      <p:grpSpPr>
+        <a:xfrm>
+          <a:off x="0" y="0"/>
+          <a:ext cx="0" cy="0"/>
+          <a:chOff x="0" y="0"/>
+          <a:chExt cx="0" cy="0"/>
+        </a:xfrm>
+      </p:grpSpPr>
+      <p:sp>
+        <p:nvSpPr>
+          <p:cNvPr id="2" name="제목 1">
+            <a:extLst>
+              <a:ext uri="{FF2B5EF4-FFF2-40B4-BE49-F238E27FC236}">
+                <a16:creationId xmlns:a16="http://schemas.microsoft.com/office/drawing/2014/main" id="{4902842D-96AA-4620-B4F6-A5A2174E9FAA}"/>
+              </a:ext>
+            </a:extLst>
+          </p:cNvPr>
+          <p:cNvSpPr>
+            <a:spLocks noGrp="1"/>
+          </p:cNvSpPr>
+          <p:nvPr>
+            <p:ph type="title"/>
+          </p:nvPr>
+        </p:nvSpPr>
+        <p:spPr/>
+        <p:txBody>
+          <a:bodyPr/>
+          <a:lstStyle/>
+          <a:p>
+            <a:r>
+              <a:rPr lang="en-US" altLang="ko-KR" dirty="0"/>
+              <a:t>4. R Studio </a:t>
+            </a:r>
+            <a:r>
+              <a:rPr lang="ko-KR" altLang="en-US" dirty="0"/>
+              <a:t>로 시각화 하기 </a:t>
+            </a:r>
+            <a:r>
+              <a:rPr lang="en-US" altLang="ko-KR" dirty="0"/>
+              <a:t>( Visualizations )</a:t>
+            </a:r>
+            <a:endParaRPr lang="ko-KR" altLang="en-US" dirty="0"/>
+          </a:p>
+        </p:txBody>
+      </p:sp>
+      <p:pic>
+        <p:nvPicPr>
+          <p:cNvPr id="4" name="그림 3">
+            <a:extLst>
+              <a:ext uri="{FF2B5EF4-FFF2-40B4-BE49-F238E27FC236}">
+                <a16:creationId xmlns:a16="http://schemas.microsoft.com/office/drawing/2014/main" id="{DE4959C9-FEA8-413C-ADCF-C4B732915E1A}"/>
+              </a:ext>
+            </a:extLst>
+          </p:cNvPr>
+          <p:cNvPicPr>
+            <a:picLocks noChangeAspect="1"/>
+          </p:cNvPicPr>
+          <p:nvPr/>
+        </p:nvPicPr>
+        <p:blipFill>
+          <a:blip r:embed="rId2"/>
+          <a:stretch>
+            <a:fillRect/>
+          </a:stretch>
+        </p:blipFill>
+        <p:spPr>
+          <a:xfrm>
+            <a:off x="389606" y="2447226"/>
+            <a:ext cx="11412787" cy="446976"/>
+          </a:xfrm>
+          <a:prstGeom prst="rect">
+            <a:avLst/>
+          </a:prstGeom>
+        </p:spPr>
+      </p:pic>
+      <p:sp>
+        <p:nvSpPr>
+          <p:cNvPr id="5" name="TextBox 4">
+            <a:extLst>
+              <a:ext uri="{FF2B5EF4-FFF2-40B4-BE49-F238E27FC236}">
+                <a16:creationId xmlns:a16="http://schemas.microsoft.com/office/drawing/2014/main" id="{0B37CE24-B82B-43B2-83C9-433B451E92CA}"/>
+              </a:ext>
+            </a:extLst>
+          </p:cNvPr>
+          <p:cNvSpPr txBox="1"/>
+          <p:nvPr/>
+        </p:nvSpPr>
+        <p:spPr>
+          <a:xfrm>
+            <a:off x="520118" y="1812022"/>
+            <a:ext cx="7810150" cy="369332"/>
+          </a:xfrm>
+          <a:prstGeom prst="rect">
+            <a:avLst/>
+          </a:prstGeom>
+          <a:noFill/>
+        </p:spPr>
+        <p:txBody>
+          <a:bodyPr wrap="square" rtlCol="0">
+            <a:spAutoFit/>
+          </a:bodyPr>
+          <a:lstStyle/>
+          <a:p>
+            <a:r>
+              <a:rPr lang="en-US" altLang="ko-KR" dirty="0">
+                <a:solidFill>
+                  <a:schemeClr val="accent3">
+                    <a:lumMod val="75000"/>
+                  </a:schemeClr>
+                </a:solidFill>
+              </a:rPr>
+              <a:t>5. </a:t>
+            </a:r>
+            <a:r>
+              <a:rPr lang="en-US" altLang="ko-KR" dirty="0" err="1">
+                <a:solidFill>
+                  <a:schemeClr val="accent3">
+                    <a:lumMod val="75000"/>
+                  </a:schemeClr>
+                </a:solidFill>
+              </a:rPr>
+              <a:t>WordCloud</a:t>
+            </a:r>
+            <a:r>
+              <a:rPr lang="en-US" altLang="ko-KR" dirty="0">
+                <a:solidFill>
+                  <a:schemeClr val="accent3">
+                    <a:lumMod val="75000"/>
+                  </a:schemeClr>
+                </a:solidFill>
+              </a:rPr>
+              <a:t> </a:t>
+            </a:r>
+            <a:r>
+              <a:rPr lang="ko-KR" altLang="en-US" dirty="0">
+                <a:solidFill>
+                  <a:schemeClr val="accent3">
+                    <a:lumMod val="75000"/>
+                  </a:schemeClr>
+                </a:solidFill>
+              </a:rPr>
+              <a:t>만들기</a:t>
+            </a:r>
+            <a:endParaRPr lang="en-US" altLang="ko-KR" dirty="0">
+              <a:solidFill>
+                <a:schemeClr val="accent3">
+                  <a:lumMod val="75000"/>
+                </a:schemeClr>
+              </a:solidFill>
+            </a:endParaRPr>
+          </a:p>
+        </p:txBody>
+      </p:sp>
+      <p:sp>
+        <p:nvSpPr>
+          <p:cNvPr id="6" name="TextBox 5">
+            <a:extLst>
+              <a:ext uri="{FF2B5EF4-FFF2-40B4-BE49-F238E27FC236}">
+                <a16:creationId xmlns:a16="http://schemas.microsoft.com/office/drawing/2014/main" id="{F9C1594E-92E4-4BB1-85B7-08C5688FC6A3}"/>
+              </a:ext>
+            </a:extLst>
+          </p:cNvPr>
+          <p:cNvSpPr txBox="1"/>
+          <p:nvPr/>
+        </p:nvSpPr>
+        <p:spPr>
+          <a:xfrm>
+            <a:off x="260058" y="3165887"/>
+            <a:ext cx="11671882" cy="584775"/>
+          </a:xfrm>
+          <a:prstGeom prst="rect">
+            <a:avLst/>
+          </a:prstGeom>
+          <a:noFill/>
+        </p:spPr>
+        <p:txBody>
+          <a:bodyPr wrap="square" rtlCol="0">
+            <a:spAutoFit/>
+          </a:bodyPr>
+          <a:lstStyle/>
+          <a:p>
+            <a:r>
+              <a:rPr lang="en-US" altLang="ko-KR" sz="3200" dirty="0" err="1">
+                <a:solidFill>
+                  <a:schemeClr val="accent3">
+                    <a:lumMod val="75000"/>
+                  </a:schemeClr>
+                </a:solidFill>
+              </a:rPr>
+              <a:t>wordcloud</a:t>
+            </a:r>
+            <a:r>
+              <a:rPr lang="en-US" altLang="ko-KR" sz="3200" dirty="0">
+                <a:solidFill>
+                  <a:schemeClr val="accent3">
+                    <a:lumMod val="75000"/>
+                  </a:schemeClr>
+                </a:solidFill>
+              </a:rPr>
+              <a:t>(</a:t>
+            </a:r>
+            <a:r>
+              <a:rPr lang="ko-KR" altLang="en-US" sz="3200" dirty="0">
+                <a:solidFill>
+                  <a:schemeClr val="accent3">
+                    <a:lumMod val="75000"/>
+                  </a:schemeClr>
+                </a:solidFill>
+              </a:rPr>
+              <a:t>단어선택</a:t>
+            </a:r>
+            <a:r>
+              <a:rPr lang="en-US" altLang="ko-KR" sz="3200" dirty="0">
+                <a:solidFill>
+                  <a:schemeClr val="accent3">
+                    <a:lumMod val="75000"/>
+                  </a:schemeClr>
+                </a:solidFill>
+              </a:rPr>
+              <a:t>, </a:t>
+            </a:r>
+            <a:r>
+              <a:rPr lang="ko-KR" altLang="en-US" sz="3200" dirty="0">
+                <a:solidFill>
+                  <a:schemeClr val="accent3">
+                    <a:lumMod val="75000"/>
+                  </a:schemeClr>
+                </a:solidFill>
+              </a:rPr>
+              <a:t>기준</a:t>
+            </a:r>
+            <a:r>
+              <a:rPr lang="en-US" altLang="ko-KR" sz="3200" dirty="0">
+                <a:solidFill>
+                  <a:schemeClr val="accent3">
+                    <a:lumMod val="75000"/>
+                  </a:schemeClr>
+                </a:solidFill>
+              </a:rPr>
+              <a:t>, </a:t>
+            </a:r>
+            <a:r>
+              <a:rPr lang="ko-KR" altLang="en-US" sz="3200" dirty="0">
+                <a:solidFill>
+                  <a:schemeClr val="accent3">
+                    <a:lumMod val="75000"/>
+                  </a:schemeClr>
+                </a:solidFill>
+              </a:rPr>
+              <a:t>랜덤하게</a:t>
+            </a:r>
+            <a:r>
+              <a:rPr lang="en-US" altLang="ko-KR" sz="3200" dirty="0">
+                <a:solidFill>
+                  <a:schemeClr val="accent3">
+                    <a:lumMod val="75000"/>
+                  </a:schemeClr>
+                </a:solidFill>
+              </a:rPr>
+              <a:t>?, </a:t>
+            </a:r>
+            <a:r>
+              <a:rPr lang="ko-KR" altLang="en-US" sz="3200" dirty="0" err="1">
+                <a:solidFill>
+                  <a:schemeClr val="accent3">
+                    <a:lumMod val="75000"/>
+                  </a:schemeClr>
+                </a:solidFill>
+              </a:rPr>
+              <a:t>워드클라우드</a:t>
+            </a:r>
+            <a:r>
+              <a:rPr lang="ko-KR" altLang="en-US" sz="3200" dirty="0">
+                <a:solidFill>
+                  <a:schemeClr val="accent3">
+                    <a:lumMod val="75000"/>
+                  </a:schemeClr>
+                </a:solidFill>
+              </a:rPr>
+              <a:t> 색상</a:t>
+            </a:r>
+            <a:r>
+              <a:rPr lang="en-US" altLang="ko-KR" sz="3200" dirty="0">
+                <a:solidFill>
+                  <a:schemeClr val="accent3">
+                    <a:lumMod val="75000"/>
+                  </a:schemeClr>
+                </a:solidFill>
+              </a:rPr>
+              <a:t>)</a:t>
+            </a:r>
+          </a:p>
+        </p:txBody>
+      </p:sp>
+      <p:sp>
+        <p:nvSpPr>
+          <p:cNvPr id="9" name="TextBox 8">
+            <a:extLst>
+              <a:ext uri="{FF2B5EF4-FFF2-40B4-BE49-F238E27FC236}">
+                <a16:creationId xmlns:a16="http://schemas.microsoft.com/office/drawing/2014/main" id="{9035B295-DF65-4C99-9A7A-383CE51C03C7}"/>
+              </a:ext>
+            </a:extLst>
+          </p:cNvPr>
+          <p:cNvSpPr txBox="1"/>
+          <p:nvPr/>
+        </p:nvSpPr>
+        <p:spPr>
+          <a:xfrm>
+            <a:off x="8136609" y="3795129"/>
+            <a:ext cx="2785856" cy="369332"/>
+          </a:xfrm>
+          <a:prstGeom prst="rect">
+            <a:avLst/>
+          </a:prstGeom>
+          <a:noFill/>
+        </p:spPr>
+        <p:txBody>
+          <a:bodyPr wrap="square" rtlCol="0">
+            <a:spAutoFit/>
+          </a:bodyPr>
+          <a:lstStyle/>
+          <a:p>
+            <a:r>
+              <a:rPr lang="en-US" altLang="ko-KR" dirty="0">
+                <a:solidFill>
+                  <a:schemeClr val="accent3">
+                    <a:lumMod val="75000"/>
+                  </a:schemeClr>
+                </a:solidFill>
+              </a:rPr>
+              <a:t>( </a:t>
+            </a:r>
+            <a:r>
+              <a:rPr lang="ko-KR" altLang="en-US" dirty="0">
+                <a:solidFill>
+                  <a:schemeClr val="accent3">
+                    <a:lumMod val="75000"/>
+                  </a:schemeClr>
+                </a:solidFill>
+              </a:rPr>
+              <a:t>기준 번호</a:t>
+            </a:r>
+            <a:r>
+              <a:rPr lang="en-US" altLang="ko-KR" dirty="0">
+                <a:solidFill>
+                  <a:schemeClr val="accent3">
+                    <a:lumMod val="75000"/>
+                  </a:schemeClr>
+                </a:solidFill>
+              </a:rPr>
+              <a:t>, </a:t>
+            </a:r>
+            <a:r>
+              <a:rPr lang="ko-KR" altLang="en-US" dirty="0">
+                <a:solidFill>
+                  <a:schemeClr val="accent3">
+                    <a:lumMod val="75000"/>
+                  </a:schemeClr>
+                </a:solidFill>
+              </a:rPr>
+              <a:t>색상코드</a:t>
+            </a:r>
+            <a:r>
+              <a:rPr lang="en-US" altLang="ko-KR" dirty="0">
+                <a:solidFill>
+                  <a:schemeClr val="accent3">
+                    <a:lumMod val="75000"/>
+                  </a:schemeClr>
+                </a:solidFill>
+              </a:rPr>
+              <a:t>)</a:t>
+            </a:r>
+          </a:p>
+        </p:txBody>
+      </p:sp>
+    </p:spTree>
+    <p:extLst>
+      <p:ext uri="{BB962C8B-B14F-4D97-AF65-F5344CB8AC3E}">
+        <p14:creationId xmlns:p14="http://schemas.microsoft.com/office/powerpoint/2010/main" val="702139875"/>
+      </p:ext>
+    </p:extLst>
+  </p:cSld>
+  <p:clrMapOvr>
+    <a:masterClrMapping/>
+  </p:clrMapOvr>
+</p:sld>
+</file>
+
+<file path=ppt/slides/slide37.xml><?xml version="1.0" encoding="utf-8"?>
+<p:sld xmlns:a="http://schemas.openxmlformats.org/drawingml/2006/main" xmlns:r="http://schemas.openxmlformats.org/officeDocument/2006/relationships" xmlns:p="http://schemas.openxmlformats.org/presentationml/2006/main">
+  <p:cSld>
+    <p:spTree>
+      <p:nvGrpSpPr>
+        <p:cNvPr id="1" name=""/>
+        <p:cNvGrpSpPr/>
+        <p:nvPr/>
+      </p:nvGrpSpPr>
+      <p:grpSpPr>
+        <a:xfrm>
+          <a:off x="0" y="0"/>
+          <a:ext cx="0" cy="0"/>
+          <a:chOff x="0" y="0"/>
+          <a:chExt cx="0" cy="0"/>
+        </a:xfrm>
+      </p:grpSpPr>
+      <p:sp>
+        <p:nvSpPr>
+          <p:cNvPr id="7" name="순서도: 처리 6">
+            <a:extLst>
+              <a:ext uri="{FF2B5EF4-FFF2-40B4-BE49-F238E27FC236}">
+                <a16:creationId xmlns:a16="http://schemas.microsoft.com/office/drawing/2014/main" id="{EE83BCD8-8A1B-4831-872C-9EBE36CF691B}"/>
+              </a:ext>
+            </a:extLst>
+          </p:cNvPr>
+          <p:cNvSpPr/>
+          <p:nvPr/>
+        </p:nvSpPr>
+        <p:spPr>
+          <a:xfrm>
+            <a:off x="-93306" y="-74645"/>
+            <a:ext cx="12372392" cy="1380931"/>
+          </a:xfrm>
+          <a:prstGeom prst="flowChartProcess">
+            <a:avLst/>
+          </a:prstGeom>
+          <a:solidFill>
+            <a:srgbClr val="212121"/>
+          </a:solidFill>
+          <a:ln>
+            <a:noFill/>
+          </a:ln>
+        </p:spPr>
+        <p:style>
+          <a:lnRef idx="2">
+            <a:schemeClr val="accent1">
+              <a:shade val="50000"/>
+            </a:schemeClr>
+          </a:lnRef>
+          <a:fillRef idx="1">
+            <a:schemeClr val="accent1"/>
+          </a:fillRef>
+          <a:effectRef idx="0">
+            <a:schemeClr val="accent1"/>
+          </a:effectRef>
+          <a:fontRef idx="minor">
+            <a:schemeClr val="lt1"/>
+          </a:fontRef>
+        </p:style>
+        <p:txBody>
+          <a:bodyPr rtlCol="0" anchor="ctr"/>
+          <a:lstStyle/>
+          <a:p>
+            <a:pPr algn="ctr"/>
+            <a:endParaRPr lang="ko-KR" altLang="en-US"/>
+          </a:p>
+        </p:txBody>
+      </p:sp>
+      <p:pic>
+        <p:nvPicPr>
+          <p:cNvPr id="6" name="그림 5">
+            <a:extLst>
+              <a:ext uri="{FF2B5EF4-FFF2-40B4-BE49-F238E27FC236}">
+                <a16:creationId xmlns:a16="http://schemas.microsoft.com/office/drawing/2014/main" id="{3E940588-91A2-4196-BAA7-4F0BE933D792}"/>
+              </a:ext>
+            </a:extLst>
+          </p:cNvPr>
+          <p:cNvPicPr>
+            <a:picLocks noChangeAspect="1"/>
+          </p:cNvPicPr>
+          <p:nvPr/>
+        </p:nvPicPr>
+        <p:blipFill>
+          <a:blip r:embed="rId2"/>
+          <a:stretch>
+            <a:fillRect/>
+          </a:stretch>
+        </p:blipFill>
+        <p:spPr>
+          <a:xfrm>
+            <a:off x="604881" y="66019"/>
+            <a:ext cx="10629900" cy="6524625"/>
+          </a:xfrm>
+          <a:prstGeom prst="rect">
+            <a:avLst/>
+          </a:prstGeom>
+        </p:spPr>
+      </p:pic>
+    </p:spTree>
+    <p:extLst>
+      <p:ext uri="{BB962C8B-B14F-4D97-AF65-F5344CB8AC3E}">
+        <p14:creationId xmlns:p14="http://schemas.microsoft.com/office/powerpoint/2010/main" val="635075946"/>
+      </p:ext>
+    </p:extLst>
+  </p:cSld>
+  <p:clrMapOvr>
+    <a:masterClrMapping/>
+  </p:clrMapOvr>
+</p:sld>
+</file>
+
+<file path=ppt/slides/slide38.xml><?xml version="1.0" encoding="utf-8"?>
+<p:sld xmlns:a="http://schemas.openxmlformats.org/drawingml/2006/main" xmlns:r="http://schemas.openxmlformats.org/officeDocument/2006/relationships" xmlns:p="http://schemas.openxmlformats.org/presentationml/2006/main">
+  <p:cSld>
+    <p:spTree>
+      <p:nvGrpSpPr>
+        <p:cNvPr id="1" name=""/>
+        <p:cNvGrpSpPr/>
+        <p:nvPr/>
+      </p:nvGrpSpPr>
+      <p:grpSpPr>
+        <a:xfrm>
+          <a:off x="0" y="0"/>
+          <a:ext cx="0" cy="0"/>
+          <a:chOff x="0" y="0"/>
+          <a:chExt cx="0" cy="0"/>
+        </a:xfrm>
+      </p:grpSpPr>
+      <p:sp>
+        <p:nvSpPr>
+          <p:cNvPr id="2" name="제목 1">
+            <a:extLst>
+              <a:ext uri="{FF2B5EF4-FFF2-40B4-BE49-F238E27FC236}">
+                <a16:creationId xmlns:a16="http://schemas.microsoft.com/office/drawing/2014/main" id="{4902842D-96AA-4620-B4F6-A5A2174E9FAA}"/>
+              </a:ext>
+            </a:extLst>
+          </p:cNvPr>
+          <p:cNvSpPr>
+            <a:spLocks noGrp="1"/>
+          </p:cNvSpPr>
+          <p:nvPr>
+            <p:ph type="title"/>
+          </p:nvPr>
+        </p:nvSpPr>
+        <p:spPr/>
+        <p:txBody>
+          <a:bodyPr/>
+          <a:lstStyle/>
+          <a:p>
+            <a:r>
+              <a:rPr lang="en-US" altLang="ko-KR" dirty="0"/>
+              <a:t>4. R Studio </a:t>
+            </a:r>
+            <a:r>
+              <a:rPr lang="ko-KR" altLang="en-US" dirty="0"/>
+              <a:t>로 시각화 하기 </a:t>
+            </a:r>
+            <a:r>
+              <a:rPr lang="en-US" altLang="ko-KR" dirty="0"/>
+              <a:t>( Visualizations )</a:t>
+            </a:r>
+            <a:endParaRPr lang="ko-KR" altLang="en-US" dirty="0"/>
+          </a:p>
+        </p:txBody>
+      </p:sp>
+      <p:pic>
+        <p:nvPicPr>
+          <p:cNvPr id="4" name="그림 3">
+            <a:extLst>
+              <a:ext uri="{FF2B5EF4-FFF2-40B4-BE49-F238E27FC236}">
+                <a16:creationId xmlns:a16="http://schemas.microsoft.com/office/drawing/2014/main" id="{FA8429F6-8256-4816-BEDC-B3564D2DFB96}"/>
+              </a:ext>
+            </a:extLst>
+          </p:cNvPr>
+          <p:cNvPicPr>
+            <a:picLocks noChangeAspect="1"/>
+          </p:cNvPicPr>
+          <p:nvPr/>
+        </p:nvPicPr>
+        <p:blipFill rotWithShape="1">
+          <a:blip r:embed="rId2"/>
+          <a:srcRect l="24708" r="26973"/>
+          <a:stretch/>
+        </p:blipFill>
+        <p:spPr>
+          <a:xfrm>
+            <a:off x="3214381" y="1028087"/>
+            <a:ext cx="5763238" cy="5623275"/>
+          </a:xfrm>
+          <a:prstGeom prst="rect">
+            <a:avLst/>
+          </a:prstGeom>
+        </p:spPr>
+      </p:pic>
+    </p:spTree>
+    <p:extLst>
+      <p:ext uri="{BB962C8B-B14F-4D97-AF65-F5344CB8AC3E}">
+        <p14:creationId xmlns:p14="http://schemas.microsoft.com/office/powerpoint/2010/main" val="391959559"/>
+      </p:ext>
+    </p:extLst>
+  </p:cSld>
+  <p:clrMapOvr>
+    <a:masterClrMapping/>
+  </p:clrMapOvr>
+</p:sld>
+</file>
+
+<file path=ppt/slides/slide39.xml><?xml version="1.0" encoding="utf-8"?>
+<p:sld xmlns:a="http://schemas.openxmlformats.org/drawingml/2006/main" xmlns:r="http://schemas.openxmlformats.org/officeDocument/2006/relationships" xmlns:p="http://schemas.openxmlformats.org/presentationml/2006/main">
+  <p:cSld>
+    <p:spTree>
+      <p:nvGrpSpPr>
+        <p:cNvPr id="1" name=""/>
+        <p:cNvGrpSpPr/>
+        <p:nvPr/>
+      </p:nvGrpSpPr>
+      <p:grpSpPr>
+        <a:xfrm>
+          <a:off x="0" y="0"/>
+          <a:ext cx="0" cy="0"/>
+          <a:chOff x="0" y="0"/>
+          <a:chExt cx="0" cy="0"/>
+        </a:xfrm>
+      </p:grpSpPr>
+      <p:sp>
+        <p:nvSpPr>
+          <p:cNvPr id="7" name="순서도: 처리 6">
+            <a:extLst>
+              <a:ext uri="{FF2B5EF4-FFF2-40B4-BE49-F238E27FC236}">
+                <a16:creationId xmlns:a16="http://schemas.microsoft.com/office/drawing/2014/main" id="{EE83BCD8-8A1B-4831-872C-9EBE36CF691B}"/>
+              </a:ext>
+            </a:extLst>
+          </p:cNvPr>
+          <p:cNvSpPr/>
+          <p:nvPr/>
+        </p:nvSpPr>
+        <p:spPr>
+          <a:xfrm>
+            <a:off x="-93306" y="-74645"/>
+            <a:ext cx="12372392" cy="1380931"/>
+          </a:xfrm>
+          <a:prstGeom prst="flowChartProcess">
+            <a:avLst/>
+          </a:prstGeom>
+          <a:solidFill>
+            <a:srgbClr val="212121"/>
+          </a:solidFill>
+          <a:ln>
+            <a:noFill/>
+          </a:ln>
+        </p:spPr>
+        <p:style>
+          <a:lnRef idx="2">
+            <a:schemeClr val="accent1">
+              <a:shade val="50000"/>
+            </a:schemeClr>
+          </a:lnRef>
+          <a:fillRef idx="1">
+            <a:schemeClr val="accent1"/>
+          </a:fillRef>
+          <a:effectRef idx="0">
+            <a:schemeClr val="accent1"/>
+          </a:effectRef>
+          <a:fontRef idx="minor">
+            <a:schemeClr val="lt1"/>
+          </a:fontRef>
+        </p:style>
+        <p:txBody>
+          <a:bodyPr rtlCol="0" anchor="ctr"/>
+          <a:lstStyle/>
+          <a:p>
+            <a:pPr algn="ctr"/>
+            <a:endParaRPr lang="ko-KR" altLang="en-US"/>
+          </a:p>
+        </p:txBody>
+      </p:sp>
+      <p:sp>
+        <p:nvSpPr>
+          <p:cNvPr id="2" name="TextBox 1">
+            <a:extLst>
+              <a:ext uri="{FF2B5EF4-FFF2-40B4-BE49-F238E27FC236}">
+                <a16:creationId xmlns:a16="http://schemas.microsoft.com/office/drawing/2014/main" id="{6DFBE553-7CCC-4658-8D55-1B40F7319BEB}"/>
+              </a:ext>
+            </a:extLst>
+          </p:cNvPr>
+          <p:cNvSpPr txBox="1"/>
+          <p:nvPr/>
+        </p:nvSpPr>
+        <p:spPr>
+          <a:xfrm>
+            <a:off x="2357307" y="2432807"/>
+            <a:ext cx="8892330" cy="1446550"/>
+          </a:xfrm>
+          <a:prstGeom prst="rect">
+            <a:avLst/>
+          </a:prstGeom>
+          <a:noFill/>
+        </p:spPr>
+        <p:txBody>
+          <a:bodyPr wrap="square" rtlCol="0">
+            <a:spAutoFit/>
+          </a:bodyPr>
+          <a:lstStyle/>
+          <a:p>
+            <a:r>
+              <a:rPr lang="en-US" altLang="ko-KR" sz="8800" dirty="0">
+                <a:solidFill>
+                  <a:srgbClr val="6DFFF8"/>
+                </a:solidFill>
+              </a:rPr>
+              <a:t>THANK YOU!!!</a:t>
+            </a:r>
+            <a:endParaRPr lang="ko-KR" altLang="en-US" sz="8800" dirty="0">
+              <a:solidFill>
+                <a:srgbClr val="6DFFF8"/>
+              </a:solidFill>
+            </a:endParaRPr>
+          </a:p>
+        </p:txBody>
+      </p:sp>
+    </p:spTree>
+    <p:extLst>
+      <p:ext uri="{BB962C8B-B14F-4D97-AF65-F5344CB8AC3E}">
+        <p14:creationId xmlns:p14="http://schemas.microsoft.com/office/powerpoint/2010/main" val="3210516162"/>
       </p:ext>
     </p:extLst>
   </p:cSld>
